--- a/appendix/BTTRecorder_Editing_Project_Management_v1.4.pptx
+++ b/appendix/BTTRecorder_Editing_Project_Management_v1.4.pptx
@@ -131,6 +131,14 @@
 </p:presentation>
 </file>
 
+<file path=ppt/revisionInfo.xml><?xml version="1.0" encoding="utf-8"?>
+<p1510:revInfo xmlns:a="http://schemas.openxmlformats.org/drawingml/2006/main" xmlns:r="http://schemas.openxmlformats.org/officeDocument/2006/relationships" xmlns:p1510="http://schemas.microsoft.com/office/powerpoint/2015/10/main">
+  <p1510:revLst>
+    <p1510:client id="{64164C27-F043-4D3B-A445-55E4F0988F82}" v="1" dt="2021-02-26T12:13:06.409"/>
+  </p1510:revLst>
+</p1510:revInfo>
+</file>
+
 <file path=ppt/changesInfos/changesInfo1.xml><?xml version="1.0" encoding="utf-8"?>
 <pc:chgInfo xmlns:a="http://schemas.openxmlformats.org/drawingml/2006/main" xmlns:r="http://schemas.openxmlformats.org/officeDocument/2006/relationships" xmlns:ac="http://schemas.microsoft.com/office/drawing/2013/main/command" xmlns:pc="http://schemas.microsoft.com/office/powerpoint/2013/main/command">
   <pc:docChgLst>
@@ -226,6 +234,54 @@
       </pc:sldChg>
     </pc:docChg>
   </pc:docChgLst>
+  <pc:docChgLst>
+    <pc:chgData name="Christine Jarka" userId="27407dc7-5536-4242-9797-21c37323e07b" providerId="ADAL" clId="{64164C27-F043-4D3B-A445-55E4F0988F82}"/>
+    <pc:docChg chg="custSel modSld">
+      <pc:chgData name="Christine Jarka" userId="27407dc7-5536-4242-9797-21c37323e07b" providerId="ADAL" clId="{64164C27-F043-4D3B-A445-55E4F0988F82}" dt="2021-02-26T12:16:44.265" v="102" actId="1076"/>
+      <pc:docMkLst>
+        <pc:docMk/>
+      </pc:docMkLst>
+      <pc:sldChg chg="addSp delSp modSp">
+        <pc:chgData name="Christine Jarka" userId="27407dc7-5536-4242-9797-21c37323e07b" providerId="ADAL" clId="{64164C27-F043-4D3B-A445-55E4F0988F82}" dt="2021-02-26T12:16:44.265" v="102" actId="1076"/>
+        <pc:sldMkLst>
+          <pc:docMk/>
+          <pc:sldMk cId="2678789863" sldId="335"/>
+        </pc:sldMkLst>
+        <pc:spChg chg="del">
+          <ac:chgData name="Christine Jarka" userId="27407dc7-5536-4242-9797-21c37323e07b" providerId="ADAL" clId="{64164C27-F043-4D3B-A445-55E4F0988F82}" dt="2021-02-26T12:13:05.889" v="0" actId="478"/>
+          <ac:spMkLst>
+            <pc:docMk/>
+            <pc:sldMk cId="2678789863" sldId="335"/>
+            <ac:spMk id="3" creationId="{18756382-C9D9-4238-8122-075CACD34747}"/>
+          </ac:spMkLst>
+        </pc:spChg>
+        <pc:spChg chg="add del mod">
+          <ac:chgData name="Christine Jarka" userId="27407dc7-5536-4242-9797-21c37323e07b" providerId="ADAL" clId="{64164C27-F043-4D3B-A445-55E4F0988F82}" dt="2021-02-26T12:13:10.735" v="2" actId="478"/>
+          <ac:spMkLst>
+            <pc:docMk/>
+            <pc:sldMk cId="2678789863" sldId="335"/>
+            <ac:spMk id="5" creationId="{BBBAA237-0998-47EE-B00D-ADC30299A87B}"/>
+          </ac:spMkLst>
+        </pc:spChg>
+        <pc:spChg chg="mod">
+          <ac:chgData name="Christine Jarka" userId="27407dc7-5536-4242-9797-21c37323e07b" providerId="ADAL" clId="{64164C27-F043-4D3B-A445-55E4F0988F82}" dt="2021-02-26T12:16:44.265" v="102" actId="1076"/>
+          <ac:spMkLst>
+            <pc:docMk/>
+            <pc:sldMk cId="2678789863" sldId="335"/>
+            <ac:spMk id="7" creationId="{ADCB5A4E-01C9-4C02-82EB-7110C3755E21}"/>
+          </ac:spMkLst>
+        </pc:spChg>
+        <pc:spChg chg="add mod">
+          <ac:chgData name="Christine Jarka" userId="27407dc7-5536-4242-9797-21c37323e07b" providerId="ADAL" clId="{64164C27-F043-4D3B-A445-55E4F0988F82}" dt="2021-02-26T12:16:40.913" v="101" actId="113"/>
+          <ac:spMkLst>
+            <pc:docMk/>
+            <pc:sldMk cId="2678789863" sldId="335"/>
+            <ac:spMk id="8" creationId="{5B35EECB-3294-4AB5-927B-FB0FB7520DA0}"/>
+          </ac:spMkLst>
+        </pc:spChg>
+      </pc:sldChg>
+    </pc:docChg>
+  </pc:docChgLst>
 </pc:chgInfo>
 </file>
 
@@ -311,7 +367,7 @@
           <a:p>
             <a:fld id="{4D2A5A54-57FA-4281-A6F5-1860CF48FA07}" type="datetimeFigureOut">
               <a:rPr lang="en-US" smtClean="0"/>
-              <a:t>11/15/2019</a:t>
+              <a:t>2/26/2021</a:t>
             </a:fld>
             <a:endParaRPr lang="en-US"/>
           </a:p>
@@ -9298,46 +9354,6 @@
           </a:p>
         </p:txBody>
       </p:sp>
-      <p:sp>
-        <p:nvSpPr>
-          <p:cNvPr id="3" name="Content Placeholder 2">
-            <a:extLst>
-              <a:ext uri="{FF2B5EF4-FFF2-40B4-BE49-F238E27FC236}">
-                <a16:creationId xmlns:a16="http://schemas.microsoft.com/office/drawing/2014/main" id="{18756382-C9D9-4238-8122-075CACD34747}"/>
-              </a:ext>
-            </a:extLst>
-          </p:cNvPr>
-          <p:cNvSpPr>
-            <a:spLocks noGrp="1"/>
-          </p:cNvSpPr>
-          <p:nvPr>
-            <p:ph sz="half" idx="1"/>
-          </p:nvPr>
-        </p:nvSpPr>
-        <p:spPr>
-          <a:xfrm>
-            <a:off x="646111" y="2188565"/>
-            <a:ext cx="4215384" cy="4206240"/>
-          </a:xfrm>
-        </p:spPr>
-        <p:txBody>
-          <a:bodyPr/>
-          <a:lstStyle/>
-          <a:p>
-            <a:r>
-              <a:rPr lang="en-US" dirty="0"/>
-              <a:t>Rate the recording:</a:t>
-            </a:r>
-          </a:p>
-          <a:p>
-            <a:pPr lvl="1"/>
-            <a:r>
-              <a:rPr lang="en-US" dirty="0"/>
-              <a:t>Tap on the star icon.</a:t>
-            </a:r>
-          </a:p>
-        </p:txBody>
-      </p:sp>
       <p:pic>
         <p:nvPicPr>
           <p:cNvPr id="6" name="Content Placeholder 5">
@@ -9381,7 +9397,7 @@
         </p:nvSpPr>
         <p:spPr>
           <a:xfrm rot="5400000">
-            <a:off x="5240063" y="1377908"/>
+            <a:off x="5268198" y="1755387"/>
             <a:ext cx="2328287" cy="950679"/>
           </a:xfrm>
           <a:prstGeom prst="rightArrow">
@@ -9417,6 +9433,257 @@
           <a:lstStyle/>
           <a:p>
             <a:endParaRPr lang="en-US"/>
+          </a:p>
+        </p:txBody>
+      </p:sp>
+      <p:sp>
+        <p:nvSpPr>
+          <p:cNvPr id="8" name="Content Placeholder 2">
+            <a:extLst>
+              <a:ext uri="{FF2B5EF4-FFF2-40B4-BE49-F238E27FC236}">
+                <a16:creationId xmlns:a16="http://schemas.microsoft.com/office/drawing/2014/main" id="{5B35EECB-3294-4AB5-927B-FB0FB7520DA0}"/>
+              </a:ext>
+            </a:extLst>
+          </p:cNvPr>
+          <p:cNvSpPr txBox="1">
+            <a:spLocks/>
+          </p:cNvSpPr>
+          <p:nvPr/>
+        </p:nvSpPr>
+        <p:spPr>
+          <a:xfrm>
+            <a:off x="798511" y="2340965"/>
+            <a:ext cx="4215384" cy="4206240"/>
+          </a:xfrm>
+          <a:prstGeom prst="rect">
+            <a:avLst/>
+          </a:prstGeom>
+        </p:spPr>
+        <p:txBody>
+          <a:bodyPr vert="horz" lIns="91440" tIns="45720" rIns="91440" bIns="45720" rtlCol="0">
+            <a:noAutofit/>
+          </a:bodyPr>
+          <a:lstStyle>
+            <a:lvl1pPr marL="342900" indent="-342900" algn="l" defTabSz="457200" rtl="0" eaLnBrk="1" latinLnBrk="0" hangingPunct="1">
+              <a:spcBef>
+                <a:spcPts val="1000"/>
+              </a:spcBef>
+              <a:spcAft>
+                <a:spcPts val="0"/>
+              </a:spcAft>
+              <a:buClr>
+                <a:srgbClr val="28C28C"/>
+              </a:buClr>
+              <a:buSzPct val="80000"/>
+              <a:buFont typeface="Wingdings 3" charset="2"/>
+              <a:buChar char=""/>
+              <a:defRPr sz="2400" b="0" i="0" kern="1200">
+                <a:solidFill>
+                  <a:schemeClr val="tx1"/>
+                </a:solidFill>
+                <a:latin typeface="+mj-lt"/>
+                <a:ea typeface="+mj-ea"/>
+                <a:cs typeface="+mj-cs"/>
+              </a:defRPr>
+            </a:lvl1pPr>
+            <a:lvl2pPr marL="742950" indent="-285750" algn="l" defTabSz="457200" rtl="0" eaLnBrk="1" latinLnBrk="0" hangingPunct="1">
+              <a:spcBef>
+                <a:spcPts val="1000"/>
+              </a:spcBef>
+              <a:spcAft>
+                <a:spcPts val="0"/>
+              </a:spcAft>
+              <a:buClr>
+                <a:srgbClr val="28C28C"/>
+              </a:buClr>
+              <a:buSzPct val="80000"/>
+              <a:buFont typeface="Wingdings 3" charset="2"/>
+              <a:buChar char=""/>
+              <a:defRPr sz="2400" b="0" i="0" kern="1200">
+                <a:solidFill>
+                  <a:schemeClr val="tx1"/>
+                </a:solidFill>
+                <a:latin typeface="+mj-lt"/>
+                <a:ea typeface="+mj-ea"/>
+                <a:cs typeface="+mj-cs"/>
+              </a:defRPr>
+            </a:lvl2pPr>
+            <a:lvl3pPr marL="1143000" indent="-228600" algn="l" defTabSz="457200" rtl="0" eaLnBrk="1" latinLnBrk="0" hangingPunct="1">
+              <a:spcBef>
+                <a:spcPts val="1000"/>
+              </a:spcBef>
+              <a:spcAft>
+                <a:spcPts val="0"/>
+              </a:spcAft>
+              <a:buClr>
+                <a:srgbClr val="28C28C"/>
+              </a:buClr>
+              <a:buSzPct val="80000"/>
+              <a:buFont typeface="Wingdings 3" charset="2"/>
+              <a:buChar char=""/>
+              <a:defRPr sz="2400" b="0" i="0" kern="1200">
+                <a:solidFill>
+                  <a:schemeClr val="tx1"/>
+                </a:solidFill>
+                <a:latin typeface="+mj-lt"/>
+                <a:ea typeface="+mj-ea"/>
+                <a:cs typeface="+mj-cs"/>
+              </a:defRPr>
+            </a:lvl3pPr>
+            <a:lvl4pPr marL="1600200" indent="-228600" algn="l" defTabSz="457200" rtl="0" eaLnBrk="1" latinLnBrk="0" hangingPunct="1">
+              <a:spcBef>
+                <a:spcPts val="1000"/>
+              </a:spcBef>
+              <a:spcAft>
+                <a:spcPts val="0"/>
+              </a:spcAft>
+              <a:buClr>
+                <a:srgbClr val="28C28C"/>
+              </a:buClr>
+              <a:buSzPct val="80000"/>
+              <a:buFont typeface="Wingdings 3" charset="2"/>
+              <a:buChar char=""/>
+              <a:defRPr sz="1200" b="0" i="0" kern="1200">
+                <a:solidFill>
+                  <a:schemeClr val="tx1"/>
+                </a:solidFill>
+                <a:latin typeface="+mj-lt"/>
+                <a:ea typeface="+mj-ea"/>
+                <a:cs typeface="+mj-cs"/>
+              </a:defRPr>
+            </a:lvl4pPr>
+            <a:lvl5pPr marL="2057400" indent="-228600" algn="l" defTabSz="457200" rtl="0" eaLnBrk="1" latinLnBrk="0" hangingPunct="1">
+              <a:spcBef>
+                <a:spcPts val="1000"/>
+              </a:spcBef>
+              <a:spcAft>
+                <a:spcPts val="0"/>
+              </a:spcAft>
+              <a:buClr>
+                <a:srgbClr val="28C28C"/>
+              </a:buClr>
+              <a:buSzPct val="80000"/>
+              <a:buFont typeface="Wingdings 3" charset="2"/>
+              <a:buChar char=""/>
+              <a:defRPr sz="1200" b="0" i="0" kern="1200">
+                <a:solidFill>
+                  <a:schemeClr val="tx1"/>
+                </a:solidFill>
+                <a:latin typeface="+mj-lt"/>
+                <a:ea typeface="+mj-ea"/>
+                <a:cs typeface="+mj-cs"/>
+              </a:defRPr>
+            </a:lvl5pPr>
+            <a:lvl6pPr marL="2514600" indent="-228600" algn="l" defTabSz="457200" rtl="0" eaLnBrk="1" latinLnBrk="0" hangingPunct="1">
+              <a:spcBef>
+                <a:spcPts val="1000"/>
+              </a:spcBef>
+              <a:spcAft>
+                <a:spcPts val="0"/>
+              </a:spcAft>
+              <a:buClr>
+                <a:schemeClr val="accent1"/>
+              </a:buClr>
+              <a:buSzPct val="80000"/>
+              <a:buFont typeface="Wingdings 3" charset="2"/>
+              <a:buChar char=""/>
+              <a:defRPr sz="1200" b="0" i="0" kern="1200">
+                <a:solidFill>
+                  <a:schemeClr val="tx1"/>
+                </a:solidFill>
+                <a:latin typeface="+mj-lt"/>
+                <a:ea typeface="+mj-ea"/>
+                <a:cs typeface="+mj-cs"/>
+              </a:defRPr>
+            </a:lvl6pPr>
+            <a:lvl7pPr marL="2971800" indent="-228600" algn="l" defTabSz="457200" rtl="0" eaLnBrk="1" latinLnBrk="0" hangingPunct="1">
+              <a:spcBef>
+                <a:spcPts val="1000"/>
+              </a:spcBef>
+              <a:spcAft>
+                <a:spcPts val="0"/>
+              </a:spcAft>
+              <a:buClr>
+                <a:schemeClr val="accent1"/>
+              </a:buClr>
+              <a:buSzPct val="80000"/>
+              <a:buFont typeface="Wingdings 3" charset="2"/>
+              <a:buChar char=""/>
+              <a:defRPr sz="1200" b="0" i="0" kern="1200">
+                <a:solidFill>
+                  <a:schemeClr val="tx1"/>
+                </a:solidFill>
+                <a:latin typeface="+mj-lt"/>
+                <a:ea typeface="+mj-ea"/>
+                <a:cs typeface="+mj-cs"/>
+              </a:defRPr>
+            </a:lvl7pPr>
+            <a:lvl8pPr marL="3429000" indent="-228600" algn="l" defTabSz="457200" rtl="0" eaLnBrk="1" latinLnBrk="0" hangingPunct="1">
+              <a:spcBef>
+                <a:spcPts val="1000"/>
+              </a:spcBef>
+              <a:spcAft>
+                <a:spcPts val="0"/>
+              </a:spcAft>
+              <a:buClr>
+                <a:schemeClr val="accent1"/>
+              </a:buClr>
+              <a:buSzPct val="80000"/>
+              <a:buFont typeface="Wingdings 3" charset="2"/>
+              <a:buChar char=""/>
+              <a:defRPr sz="1200" b="0" i="0" kern="1200">
+                <a:solidFill>
+                  <a:schemeClr val="tx1"/>
+                </a:solidFill>
+                <a:latin typeface="+mj-lt"/>
+                <a:ea typeface="+mj-ea"/>
+                <a:cs typeface="+mj-cs"/>
+              </a:defRPr>
+            </a:lvl8pPr>
+            <a:lvl9pPr marL="3886200" indent="-228600" algn="l" defTabSz="457200" rtl="0" eaLnBrk="1" latinLnBrk="0" hangingPunct="1">
+              <a:spcBef>
+                <a:spcPts val="1000"/>
+              </a:spcBef>
+              <a:spcAft>
+                <a:spcPts val="0"/>
+              </a:spcAft>
+              <a:buClr>
+                <a:schemeClr val="accent1"/>
+              </a:buClr>
+              <a:buSzPct val="80000"/>
+              <a:buFont typeface="Wingdings 3" charset="2"/>
+              <a:buChar char=""/>
+              <a:defRPr sz="1200" b="0" i="0" kern="1200">
+                <a:solidFill>
+                  <a:schemeClr val="tx1"/>
+                </a:solidFill>
+                <a:latin typeface="+mj-lt"/>
+                <a:ea typeface="+mj-ea"/>
+                <a:cs typeface="+mj-cs"/>
+              </a:defRPr>
+            </a:lvl9pPr>
+          </a:lstStyle>
+          <a:p>
+            <a:r>
+              <a:rPr lang="en-US" dirty="0"/>
+              <a:t>Tap the trash can to delete the recording.</a:t>
+            </a:r>
+          </a:p>
+          <a:p>
+            <a:endParaRPr lang="en-US" dirty="0"/>
+          </a:p>
+          <a:p>
+            <a:pPr marL="0" indent="0">
+              <a:buNone/>
+            </a:pPr>
+            <a:r>
+              <a:rPr lang="en-US" b="1" dirty="0"/>
+              <a:t>Note</a:t>
+            </a:r>
+            <a:r>
+              <a:rPr lang="en-US" dirty="0"/>
+              <a:t>: this will delete the recording that was just heard.</a:t>
+            </a:r>
           </a:p>
         </p:txBody>
       </p:sp>
